--- a/archive/2022年度　統計学関連/05_ch5_大数の法則/統計学_ch5.pptx
+++ b/archive/2022年度　統計学関連/05_ch5_大数の法則/統計学_ch5.pptx
@@ -235,7 +235,7 @@
           <a:p>
             <a:fld id="{1895A64F-7672-4A38-B12D-41B8FA3C90DE}" type="datetimeFigureOut">
               <a:rPr kumimoji="1" lang="ja-JP" altLang="en-US" smtClean="0"/>
-              <a:t>2022/10/20</a:t>
+              <a:t>2023/8/30</a:t>
             </a:fld>
             <a:endParaRPr kumimoji="1" lang="ja-JP" altLang="en-US"/>
           </a:p>
@@ -6833,8 +6833,8 @@
           </a:p>
         </p:txBody>
       </p:sp>
-      <mc:AlternateContent xmlns:mc="http://schemas.openxmlformats.org/markup-compatibility/2006">
-        <mc:Choice xmlns:a14="http://schemas.microsoft.com/office/drawing/2010/main" Requires="a14">
+      <mc:AlternateContent xmlns:mc="http://schemas.openxmlformats.org/markup-compatibility/2006" xmlns:a14="http://schemas.microsoft.com/office/drawing/2010/main">
+        <mc:Choice Requires="a14">
           <p:sp>
             <p:nvSpPr>
               <p:cNvPr id="3" name="コンテンツ プレースホルダー 2"/>
@@ -7089,7 +7089,7 @@
             </p:txBody>
           </p:sp>
         </mc:Choice>
-        <mc:Fallback>
+        <mc:Fallback xmlns="">
           <p:sp>
             <p:nvSpPr>
               <p:cNvPr id="3" name="コンテンツ プレースホルダー 2"/>
